--- a/Slides/04：語言模型的演進/07：Word2Vec介紹.pptx
+++ b/Slides/04：語言模型的演進/07：Word2Vec介紹.pptx
@@ -203,7 +203,7 @@
           <a:p>
             <a:fld id="{4D890BD7-2AE1-4219-9438-BF1587EBDB3C}" type="datetimeFigureOut">
               <a:rPr lang="zh-TW" altLang="en-US" smtClean="0"/>
-              <a:t>2024/3/14</a:t>
+              <a:t>2024/5/6</a:t>
             </a:fld>
             <a:endParaRPr lang="zh-TW" altLang="en-US"/>
           </a:p>
@@ -1068,7 +1068,7 @@
           <a:p>
             <a:fld id="{8A2D5AE3-F988-4FF1-93FB-B4C11C0AB9B7}" type="datetimeFigureOut">
               <a:rPr lang="zh-TW" altLang="en-US" smtClean="0"/>
-              <a:t>2024/3/14</a:t>
+              <a:t>2024/5/6</a:t>
             </a:fld>
             <a:endParaRPr lang="zh-TW" altLang="en-US"/>
           </a:p>
@@ -1266,7 +1266,7 @@
           <a:p>
             <a:fld id="{8A2D5AE3-F988-4FF1-93FB-B4C11C0AB9B7}" type="datetimeFigureOut">
               <a:rPr lang="zh-TW" altLang="en-US" smtClean="0"/>
-              <a:t>2024/3/14</a:t>
+              <a:t>2024/5/6</a:t>
             </a:fld>
             <a:endParaRPr lang="zh-TW" altLang="en-US"/>
           </a:p>
@@ -1474,7 +1474,7 @@
           <a:p>
             <a:fld id="{8A2D5AE3-F988-4FF1-93FB-B4C11C0AB9B7}" type="datetimeFigureOut">
               <a:rPr lang="zh-TW" altLang="en-US" smtClean="0"/>
-              <a:t>2024/3/14</a:t>
+              <a:t>2024/5/6</a:t>
             </a:fld>
             <a:endParaRPr lang="zh-TW" altLang="en-US"/>
           </a:p>
@@ -1855,7 +1855,7 @@
                 </a:solidFill>
               </a:rPr>
               <a:pPr/>
-              <a:t>3/14/2024</a:t>
+              <a:t>5/6/2024</a:t>
             </a:fld>
             <a:endParaRPr kumimoji="0" lang="en-US" dirty="0"/>
           </a:p>
@@ -2086,7 +2086,7 @@
                 </a:solidFill>
               </a:rPr>
               <a:pPr/>
-              <a:t>3/14/2024</a:t>
+              <a:t>5/6/2024</a:t>
             </a:fld>
             <a:endParaRPr kumimoji="0" lang="en-US" dirty="0"/>
           </a:p>
@@ -2319,7 +2319,7 @@
                 </a:solidFill>
               </a:rPr>
               <a:pPr/>
-              <a:t>3/14/2024</a:t>
+              <a:t>5/6/2024</a:t>
             </a:fld>
             <a:endParaRPr kumimoji="0" lang="en-US" dirty="0"/>
           </a:p>
@@ -2801,7 +2801,7 @@
                 </a:solidFill>
               </a:rPr>
               <a:pPr/>
-              <a:t>3/14/2024</a:t>
+              <a:t>5/6/2024</a:t>
             </a:fld>
             <a:endParaRPr kumimoji="0" lang="en-US" dirty="0"/>
           </a:p>
@@ -3158,7 +3158,7 @@
                 </a:solidFill>
               </a:rPr>
               <a:pPr/>
-              <a:t>3/14/2024</a:t>
+              <a:t>5/6/2024</a:t>
             </a:fld>
             <a:endParaRPr kumimoji="0" lang="en-US" dirty="0"/>
           </a:p>
@@ -3521,7 +3521,7 @@
                 </a:solidFill>
               </a:rPr>
               <a:pPr/>
-              <a:t>3/14/2024</a:t>
+              <a:t>5/6/2024</a:t>
             </a:fld>
             <a:endParaRPr kumimoji="0" lang="en-US" dirty="0"/>
           </a:p>
@@ -3831,7 +3831,7 @@
                 </a:solidFill>
               </a:rPr>
               <a:pPr/>
-              <a:t>3/14/2024</a:t>
+              <a:t>5/6/2024</a:t>
             </a:fld>
             <a:endParaRPr kumimoji="0" lang="en-US" dirty="0"/>
           </a:p>
@@ -4026,7 +4026,7 @@
           <a:p>
             <a:fld id="{8A2D5AE3-F988-4FF1-93FB-B4C11C0AB9B7}" type="datetimeFigureOut">
               <a:rPr lang="zh-TW" altLang="en-US" smtClean="0"/>
-              <a:t>2024/3/14</a:t>
+              <a:t>2024/5/6</a:t>
             </a:fld>
             <a:endParaRPr lang="zh-TW" altLang="en-US"/>
           </a:p>
@@ -4510,7 +4510,7 @@
                 </a:solidFill>
               </a:rPr>
               <a:pPr/>
-              <a:t>3/14/2024</a:t>
+              <a:t>5/6/2024</a:t>
             </a:fld>
             <a:endParaRPr kumimoji="0" lang="en-US" dirty="0"/>
           </a:p>
@@ -4906,7 +4906,7 @@
                 </a:solidFill>
               </a:rPr>
               <a:pPr/>
-              <a:t>3/14/2024</a:t>
+              <a:t>5/6/2024</a:t>
             </a:fld>
             <a:endParaRPr kumimoji="0" lang="en-US" dirty="0"/>
           </a:p>
@@ -5246,7 +5246,7 @@
                 </a:solidFill>
               </a:rPr>
               <a:pPr/>
-              <a:t>3/14/2024</a:t>
+              <a:t>5/6/2024</a:t>
             </a:fld>
             <a:endParaRPr kumimoji="0" lang="en-US" dirty="0"/>
           </a:p>
@@ -5827,7 +5827,7 @@
                 </a:solidFill>
               </a:rPr>
               <a:pPr/>
-              <a:t>3/14/2024</a:t>
+              <a:t>5/6/2024</a:t>
             </a:fld>
             <a:endParaRPr kumimoji="0" lang="en-US" dirty="0"/>
           </a:p>
@@ -6396,7 +6396,7 @@
                 </a:solidFill>
               </a:rPr>
               <a:pPr/>
-              <a:t>3/14/2024</a:t>
+              <a:t>5/6/2024</a:t>
             </a:fld>
             <a:endParaRPr kumimoji="0" lang="en-US" dirty="0"/>
           </a:p>
@@ -6860,7 +6860,7 @@
                 </a:solidFill>
               </a:rPr>
               <a:pPr/>
-              <a:t>3/14/2024</a:t>
+              <a:t>5/6/2024</a:t>
             </a:fld>
             <a:endParaRPr kumimoji="0" lang="en-US" dirty="0"/>
           </a:p>
@@ -7289,7 +7289,7 @@
                 </a:solidFill>
               </a:rPr>
               <a:pPr/>
-              <a:t>3/14/2024</a:t>
+              <a:t>5/6/2024</a:t>
             </a:fld>
             <a:endParaRPr kumimoji="0" lang="en-US" dirty="0"/>
           </a:p>
@@ -7798,7 +7798,7 @@
                 </a:solidFill>
               </a:rPr>
               <a:pPr/>
-              <a:t>3/14/2024</a:t>
+              <a:t>5/6/2024</a:t>
             </a:fld>
             <a:endParaRPr kumimoji="0" lang="en-US" dirty="0"/>
           </a:p>
@@ -8307,7 +8307,7 @@
                 </a:solidFill>
               </a:rPr>
               <a:pPr/>
-              <a:t>3/14/2024</a:t>
+              <a:t>5/6/2024</a:t>
             </a:fld>
             <a:endParaRPr kumimoji="0" lang="en-US" dirty="0"/>
           </a:p>
@@ -8528,7 +8528,7 @@
                 </a:solidFill>
               </a:rPr>
               <a:pPr/>
-              <a:t>3/14/2024</a:t>
+              <a:t>5/6/2024</a:t>
             </a:fld>
             <a:endParaRPr kumimoji="0" lang="en-US" dirty="0"/>
           </a:p>
@@ -8800,7 +8800,7 @@
           <a:p>
             <a:fld id="{8A2D5AE3-F988-4FF1-93FB-B4C11C0AB9B7}" type="datetimeFigureOut">
               <a:rPr lang="zh-TW" altLang="en-US" smtClean="0"/>
-              <a:t>2024/3/14</a:t>
+              <a:t>2024/5/6</a:t>
             </a:fld>
             <a:endParaRPr lang="zh-TW" altLang="en-US"/>
           </a:p>
@@ -9136,7 +9136,7 @@
                 </a:solidFill>
               </a:rPr>
               <a:pPr/>
-              <a:t>3/14/2024</a:t>
+              <a:t>5/6/2024</a:t>
             </a:fld>
             <a:endParaRPr kumimoji="0" lang="en-US" dirty="0"/>
           </a:p>
@@ -9360,7 +9360,7 @@
                 </a:solidFill>
               </a:rPr>
               <a:pPr/>
-              <a:t>3/14/2024</a:t>
+              <a:t>5/6/2024</a:t>
             </a:fld>
             <a:endParaRPr kumimoji="0" lang="en-US" dirty="0"/>
           </a:p>
@@ -9541,7 +9541,7 @@
             <a:fld id="{ACB2EC6F-6501-4E04-BD6C-A8A6CABB2C5B}" type="datetimeFigureOut">
               <a:rPr kumimoji="0" lang="en-US" smtClean="0"/>
               <a:pPr/>
-              <a:t>3/14/2024</a:t>
+              <a:t>5/6/2024</a:t>
             </a:fld>
             <a:endParaRPr kumimoji="0" lang="en-US" dirty="0"/>
           </a:p>
@@ -9825,7 +9825,7 @@
           <a:p>
             <a:fld id="{8A2D5AE3-F988-4FF1-93FB-B4C11C0AB9B7}" type="datetimeFigureOut">
               <a:rPr lang="zh-TW" altLang="en-US" smtClean="0"/>
-              <a:t>2024/3/14</a:t>
+              <a:t>2024/5/6</a:t>
             </a:fld>
             <a:endParaRPr lang="zh-TW" altLang="en-US"/>
           </a:p>
@@ -10237,7 +10237,7 @@
           <a:p>
             <a:fld id="{8A2D5AE3-F988-4FF1-93FB-B4C11C0AB9B7}" type="datetimeFigureOut">
               <a:rPr lang="zh-TW" altLang="en-US" smtClean="0"/>
-              <a:t>2024/3/14</a:t>
+              <a:t>2024/5/6</a:t>
             </a:fld>
             <a:endParaRPr lang="zh-TW" altLang="en-US"/>
           </a:p>
@@ -10378,7 +10378,7 @@
           <a:p>
             <a:fld id="{8A2D5AE3-F988-4FF1-93FB-B4C11C0AB9B7}" type="datetimeFigureOut">
               <a:rPr lang="zh-TW" altLang="en-US" smtClean="0"/>
-              <a:t>2024/3/14</a:t>
+              <a:t>2024/5/6</a:t>
             </a:fld>
             <a:endParaRPr lang="zh-TW" altLang="en-US"/>
           </a:p>
@@ -10491,7 +10491,7 @@
           <a:p>
             <a:fld id="{8A2D5AE3-F988-4FF1-93FB-B4C11C0AB9B7}" type="datetimeFigureOut">
               <a:rPr lang="zh-TW" altLang="en-US" smtClean="0"/>
-              <a:t>2024/3/14</a:t>
+              <a:t>2024/5/6</a:t>
             </a:fld>
             <a:endParaRPr lang="zh-TW" altLang="en-US"/>
           </a:p>
@@ -10802,7 +10802,7 @@
           <a:p>
             <a:fld id="{8A2D5AE3-F988-4FF1-93FB-B4C11C0AB9B7}" type="datetimeFigureOut">
               <a:rPr lang="zh-TW" altLang="en-US" smtClean="0"/>
-              <a:t>2024/3/14</a:t>
+              <a:t>2024/5/6</a:t>
             </a:fld>
             <a:endParaRPr lang="zh-TW" altLang="en-US"/>
           </a:p>
@@ -11090,7 +11090,7 @@
           <a:p>
             <a:fld id="{8A2D5AE3-F988-4FF1-93FB-B4C11C0AB9B7}" type="datetimeFigureOut">
               <a:rPr lang="zh-TW" altLang="en-US" smtClean="0"/>
-              <a:t>2024/3/14</a:t>
+              <a:t>2024/5/6</a:t>
             </a:fld>
             <a:endParaRPr lang="zh-TW" altLang="en-US"/>
           </a:p>
@@ -11331,7 +11331,7 @@
           <a:p>
             <a:fld id="{8A2D5AE3-F988-4FF1-93FB-B4C11C0AB9B7}" type="datetimeFigureOut">
               <a:rPr lang="zh-TW" altLang="en-US" smtClean="0"/>
-              <a:t>2024/3/14</a:t>
+              <a:t>2024/5/6</a:t>
             </a:fld>
             <a:endParaRPr lang="zh-TW" altLang="en-US"/>
           </a:p>
@@ -11903,7 +11903,7 @@
                 </a:solidFill>
               </a:rPr>
               <a:pPr/>
-              <a:t>3/14/2024</a:t>
+              <a:t>5/6/2024</a:t>
             </a:fld>
             <a:endParaRPr kumimoji="0" lang="en-US" sz="1200" dirty="0">
               <a:solidFill>
@@ -12467,7 +12467,7 @@
                 <a:ea typeface="新細明體" panose="02020500000000000000" pitchFamily="18" charset="-120"/>
               </a:rPr>
               <a:pPr/>
-              <a:t>3/14/2024</a:t>
+              <a:t>5/6/2024</a:t>
             </a:fld>
             <a:endParaRPr lang="en-US" dirty="0">
               <a:solidFill>
@@ -12667,7 +12667,7 @@
                 <a:cs typeface="Arial" panose="020B0604020202020204" pitchFamily="34" charset="0"/>
               </a:rPr>
               <a:pPr/>
-              <a:t>3/14/2024</a:t>
+              <a:t>5/6/2024</a:t>
             </a:fld>
             <a:endParaRPr lang="en-US" dirty="0">
               <a:solidFill>
@@ -12896,24 +12896,14 @@
               <a:t>和</a:t>
             </a:r>
             <a:r>
-              <a:rPr lang="en-US" altLang="zh-TW" sz="3200" dirty="0" err="1">
+              <a:rPr lang="en-US" altLang="zh-TW" sz="3200" dirty="0">
                 <a:solidFill>
                   <a:prstClr val="white"/>
                 </a:solidFill>
                 <a:latin typeface="微軟正黑體" panose="020B0604030504040204" pitchFamily="34" charset="-120"/>
                 <a:ea typeface="微軟正黑體" panose="020B0604030504040204" pitchFamily="34" charset="-120"/>
               </a:rPr>
-              <a:t>Skiip</a:t>
-            </a:r>
-            <a:r>
-              <a:rPr lang="en-US" altLang="zh-TW" sz="3200" dirty="0">
-                <a:solidFill>
-                  <a:prstClr val="white"/>
-                </a:solidFill>
-                <a:latin typeface="微軟正黑體" panose="020B0604030504040204" pitchFamily="34" charset="-120"/>
-                <a:ea typeface="微軟正黑體" panose="020B0604030504040204" pitchFamily="34" charset="-120"/>
-              </a:rPr>
-              <a:t>-gram(</a:t>
+              <a:t>Skip-gram(</a:t>
             </a:r>
             <a:r>
               <a:rPr lang="zh-TW" altLang="en-US" sz="3200" dirty="0">
@@ -13175,7 +13165,7 @@
                 <a:cs typeface="Arial" panose="020B0604020202020204" pitchFamily="34" charset="0"/>
               </a:rPr>
               <a:pPr/>
-              <a:t>3/14/2024</a:t>
+              <a:t>5/6/2024</a:t>
             </a:fld>
             <a:endParaRPr lang="en-US" dirty="0">
               <a:solidFill>
